--- a/EDA_Preprocess.pptx
+++ b/EDA_Preprocess.pptx
@@ -110,6 +110,11 @@
       </a:defRPr>
     </a:lvl9pPr>
   </p:defaultTextStyle>
+  <p:extLst>
+    <p:ext uri="{EFAFB233-063F-42B5-8137-9DF3F51BA10A}">
+      <p15:sldGuideLst xmlns:p15="http://schemas.microsoft.com/office/powerpoint/2012/main"/>
+    </p:ext>
+  </p:extLst>
 </p:presentation>
 </file>
 
@@ -272,7 +277,7 @@
           <a:p>
             <a:fld id="{17F50B8E-A176-49F2-A3C1-FEDA0200170B}" type="datetime2">
               <a:rPr lang="en-US" smtClean="0"/>
-              <a:t>Wednesday, October 23, 2024</a:t>
+              <a:t>Thursday, October 24, 2024</a:t>
             </a:fld>
             <a:endParaRPr lang="en-US" dirty="0"/>
           </a:p>
@@ -481,7 +486,7 @@
           <a:p>
             <a:fld id="{0512A49D-4A7C-4944-9802-8EE0B5A6CEDD}" type="datetime2">
               <a:rPr lang="en-US" smtClean="0"/>
-              <a:t>Wednesday, October 23, 2024</a:t>
+              <a:t>Thursday, October 24, 2024</a:t>
             </a:fld>
             <a:endParaRPr lang="en-US"/>
           </a:p>
@@ -694,7 +699,7 @@
           <a:p>
             <a:fld id="{5D689DDD-3B11-4150-8B39-3662C10D8BF9}" type="datetime2">
               <a:rPr lang="en-US" smtClean="0"/>
-              <a:t>Wednesday, October 23, 2024</a:t>
+              <a:t>Thursday, October 24, 2024</a:t>
             </a:fld>
             <a:endParaRPr lang="en-US"/>
           </a:p>
@@ -918,7 +923,7 @@
           <a:p>
             <a:fld id="{57997BA6-BEF8-495F-ACCD-8D19769E4FC6}" type="datetime2">
               <a:rPr lang="en-US" smtClean="0"/>
-              <a:t>Wednesday, October 23, 2024</a:t>
+              <a:t>Thursday, October 24, 2024</a:t>
             </a:fld>
             <a:endParaRPr lang="en-US" dirty="0"/>
           </a:p>
@@ -1201,7 +1206,7 @@
           <a:p>
             <a:fld id="{4857292D-4609-4E55-92E3-C12C6A1234E8}" type="datetime2">
               <a:rPr lang="en-US" smtClean="0"/>
-              <a:t>Wednesday, October 23, 2024</a:t>
+              <a:t>Thursday, October 24, 2024</a:t>
             </a:fld>
             <a:endParaRPr lang="en-US" dirty="0"/>
           </a:p>
@@ -1584,7 +1589,7 @@
           <a:p>
             <a:fld id="{003E0E29-2C79-4A2A-B61C-A21B8362A50A}" type="datetime2">
               <a:rPr lang="en-US" smtClean="0"/>
-              <a:t>Wednesday, October 23, 2024</a:t>
+              <a:t>Thursday, October 24, 2024</a:t>
             </a:fld>
             <a:endParaRPr lang="en-US"/>
           </a:p>
@@ -2078,7 +2083,7 @@
           <a:p>
             <a:fld id="{B0CA0177-5432-41AC-9593-8EC96BFF4F82}" type="datetime2">
               <a:rPr lang="en-US" smtClean="0"/>
-              <a:t>Wednesday, October 23, 2024</a:t>
+              <a:t>Thursday, October 24, 2024</a:t>
             </a:fld>
             <a:endParaRPr lang="en-US" dirty="0"/>
           </a:p>
@@ -2234,7 +2239,7 @@
           <a:p>
             <a:fld id="{EED29A7B-B2F1-41A3-B969-4E25F618B967}" type="datetime2">
               <a:rPr lang="en-US" smtClean="0"/>
-              <a:t>Wednesday, October 23, 2024</a:t>
+              <a:t>Thursday, October 24, 2024</a:t>
             </a:fld>
             <a:endParaRPr lang="en-US" dirty="0"/>
           </a:p>
@@ -2644,7 +2649,7 @@
           <a:p>
             <a:fld id="{4EE98B79-F222-4FD1-8713-07459E1B5004}" type="datetime2">
               <a:rPr lang="en-US" smtClean="0"/>
-              <a:t>Wednesday, October 23, 2024</a:t>
+              <a:t>Thursday, October 24, 2024</a:t>
             </a:fld>
             <a:endParaRPr lang="en-US"/>
           </a:p>
@@ -2966,7 +2971,7 @@
           <a:p>
             <a:fld id="{792630FD-0818-4065-B5FE-410552D9B1BC}" type="datetime2">
               <a:rPr lang="en-US" smtClean="0"/>
-              <a:t>Wednesday, October 23, 2024</a:t>
+              <a:t>Thursday, October 24, 2024</a:t>
             </a:fld>
             <a:endParaRPr lang="en-US"/>
           </a:p>
@@ -3268,7 +3273,7 @@
           <a:p>
             <a:fld id="{93C2D289-0EBF-40C7-B6E8-60285281F180}" type="datetime2">
               <a:rPr lang="en-US" smtClean="0"/>
-              <a:t>Wednesday, October 23, 2024</a:t>
+              <a:t>Thursday, October 24, 2024</a:t>
             </a:fld>
             <a:endParaRPr lang="en-US"/>
           </a:p>
@@ -3803,7 +3808,7 @@
           <a:p>
             <a:fld id="{94CDC665-7415-4DAF-AE09-B9BBC1907393}" type="datetime2">
               <a:rPr lang="en-US" smtClean="0"/>
-              <a:t>Wednesday, October 23, 2024</a:t>
+              <a:t>Thursday, October 24, 2024</a:t>
             </a:fld>
             <a:endParaRPr lang="en-US" dirty="0"/>
           </a:p>
@@ -5059,7 +5064,7 @@
           <a:p>
             <a:r>
               <a:rPr lang="en-US" dirty="0"/>
-              <a:t>The dataset: booking details for city and resort hotels, featuring variables like booking dates, length of stay, guest count, # of special requests, …, with all personal information removed</a:t>
+              <a:t>The dataset: booking &amp; cancellation details for city and resort hotels, featuring variables like booking dates, length of stay, guest count, # of special requests, …, with all personal information removed</a:t>
             </a:r>
           </a:p>
           <a:p>

--- a/EDA_Preprocess.pptx
+++ b/EDA_Preprocess.pptx
@@ -12,6 +12,7 @@
     <p:sldId id="260" r:id="rId6"/>
     <p:sldId id="261" r:id="rId7"/>
     <p:sldId id="262" r:id="rId8"/>
+    <p:sldId id="263" r:id="rId9"/>
   </p:sldIdLst>
   <p:sldSz cx="12192000" cy="6858000"/>
   <p:notesSz cx="6858000" cy="9144000"/>
@@ -277,7 +278,7 @@
           <a:p>
             <a:fld id="{17F50B8E-A176-49F2-A3C1-FEDA0200170B}" type="datetime2">
               <a:rPr lang="en-US" smtClean="0"/>
-              <a:t>Thursday, October 24, 2024</a:t>
+              <a:t>Friday, October 25, 2024</a:t>
             </a:fld>
             <a:endParaRPr lang="en-US" dirty="0"/>
           </a:p>
@@ -486,7 +487,7 @@
           <a:p>
             <a:fld id="{0512A49D-4A7C-4944-9802-8EE0B5A6CEDD}" type="datetime2">
               <a:rPr lang="en-US" smtClean="0"/>
-              <a:t>Thursday, October 24, 2024</a:t>
+              <a:t>Friday, October 25, 2024</a:t>
             </a:fld>
             <a:endParaRPr lang="en-US"/>
           </a:p>
@@ -699,7 +700,7 @@
           <a:p>
             <a:fld id="{5D689DDD-3B11-4150-8B39-3662C10D8BF9}" type="datetime2">
               <a:rPr lang="en-US" smtClean="0"/>
-              <a:t>Thursday, October 24, 2024</a:t>
+              <a:t>Friday, October 25, 2024</a:t>
             </a:fld>
             <a:endParaRPr lang="en-US"/>
           </a:p>
@@ -923,7 +924,7 @@
           <a:p>
             <a:fld id="{57997BA6-BEF8-495F-ACCD-8D19769E4FC6}" type="datetime2">
               <a:rPr lang="en-US" smtClean="0"/>
-              <a:t>Thursday, October 24, 2024</a:t>
+              <a:t>Friday, October 25, 2024</a:t>
             </a:fld>
             <a:endParaRPr lang="en-US" dirty="0"/>
           </a:p>
@@ -1206,7 +1207,7 @@
           <a:p>
             <a:fld id="{4857292D-4609-4E55-92E3-C12C6A1234E8}" type="datetime2">
               <a:rPr lang="en-US" smtClean="0"/>
-              <a:t>Thursday, October 24, 2024</a:t>
+              <a:t>Friday, October 25, 2024</a:t>
             </a:fld>
             <a:endParaRPr lang="en-US" dirty="0"/>
           </a:p>
@@ -1589,7 +1590,7 @@
           <a:p>
             <a:fld id="{003E0E29-2C79-4A2A-B61C-A21B8362A50A}" type="datetime2">
               <a:rPr lang="en-US" smtClean="0"/>
-              <a:t>Thursday, October 24, 2024</a:t>
+              <a:t>Friday, October 25, 2024</a:t>
             </a:fld>
             <a:endParaRPr lang="en-US"/>
           </a:p>
@@ -2083,7 +2084,7 @@
           <a:p>
             <a:fld id="{B0CA0177-5432-41AC-9593-8EC96BFF4F82}" type="datetime2">
               <a:rPr lang="en-US" smtClean="0"/>
-              <a:t>Thursday, October 24, 2024</a:t>
+              <a:t>Friday, October 25, 2024</a:t>
             </a:fld>
             <a:endParaRPr lang="en-US" dirty="0"/>
           </a:p>
@@ -2239,7 +2240,7 @@
           <a:p>
             <a:fld id="{EED29A7B-B2F1-41A3-B969-4E25F618B967}" type="datetime2">
               <a:rPr lang="en-US" smtClean="0"/>
-              <a:t>Thursday, October 24, 2024</a:t>
+              <a:t>Friday, October 25, 2024</a:t>
             </a:fld>
             <a:endParaRPr lang="en-US" dirty="0"/>
           </a:p>
@@ -2649,7 +2650,7 @@
           <a:p>
             <a:fld id="{4EE98B79-F222-4FD1-8713-07459E1B5004}" type="datetime2">
               <a:rPr lang="en-US" smtClean="0"/>
-              <a:t>Thursday, October 24, 2024</a:t>
+              <a:t>Friday, October 25, 2024</a:t>
             </a:fld>
             <a:endParaRPr lang="en-US"/>
           </a:p>
@@ -2971,7 +2972,7 @@
           <a:p>
             <a:fld id="{792630FD-0818-4065-B5FE-410552D9B1BC}" type="datetime2">
               <a:rPr lang="en-US" smtClean="0"/>
-              <a:t>Thursday, October 24, 2024</a:t>
+              <a:t>Friday, October 25, 2024</a:t>
             </a:fld>
             <a:endParaRPr lang="en-US"/>
           </a:p>
@@ -3273,7 +3274,7 @@
           <a:p>
             <a:fld id="{93C2D289-0EBF-40C7-B6E8-60285281F180}" type="datetime2">
               <a:rPr lang="en-US" smtClean="0"/>
-              <a:t>Thursday, October 24, 2024</a:t>
+              <a:t>Friday, October 25, 2024</a:t>
             </a:fld>
             <a:endParaRPr lang="en-US"/>
           </a:p>
@@ -3808,7 +3809,7 @@
           <a:p>
             <a:fld id="{94CDC665-7415-4DAF-AE09-B9BBC1907393}" type="datetime2">
               <a:rPr lang="en-US" smtClean="0"/>
-              <a:t>Thursday, October 24, 2024</a:t>
+              <a:t>Friday, October 25, 2024</a:t>
             </a:fld>
             <a:endParaRPr lang="en-US" dirty="0"/>
           </a:p>
@@ -7034,34 +7035,6 @@
       </p:grpSpPr>
       <p:sp>
         <p:nvSpPr>
-          <p:cNvPr id="2" name="Title 1">
-            <a:extLst>
-              <a:ext uri="{FF2B5EF4-FFF2-40B4-BE49-F238E27FC236}">
-                <a16:creationId xmlns:a16="http://schemas.microsoft.com/office/drawing/2014/main" id="{D87933F9-EE92-DC62-0445-224BC0A2D717}"/>
-              </a:ext>
-            </a:extLst>
-          </p:cNvPr>
-          <p:cNvSpPr>
-            <a:spLocks noGrp="1"/>
-          </p:cNvSpPr>
-          <p:nvPr>
-            <p:ph type="title"/>
-          </p:nvPr>
-        </p:nvSpPr>
-        <p:spPr/>
-        <p:txBody>
-          <a:bodyPr/>
-          <a:lstStyle/>
-          <a:p>
-            <a:r>
-              <a:rPr lang="en-US" dirty="0"/>
-              <a:t>Top 5 Features</a:t>
-            </a:r>
-          </a:p>
-        </p:txBody>
-      </p:sp>
-      <p:sp>
-        <p:nvSpPr>
           <p:cNvPr id="6" name="Slide Number Placeholder 5">
             <a:extLst>
               <a:ext uri="{FF2B5EF4-FFF2-40B4-BE49-F238E27FC236}">
@@ -7091,10 +7064,133 @@
       </p:sp>
       <p:pic>
         <p:nvPicPr>
+          <p:cNvPr id="9" name="Picture 8" descr="A computer screen shot of a program code&#10;&#10;Description automatically generated">
+            <a:extLst>
+              <a:ext uri="{FF2B5EF4-FFF2-40B4-BE49-F238E27FC236}">
+                <a16:creationId xmlns:a16="http://schemas.microsoft.com/office/drawing/2014/main" id="{7AFDC866-B34A-556E-EB26-CB7E65FF7A62}"/>
+              </a:ext>
+            </a:extLst>
+          </p:cNvPr>
+          <p:cNvPicPr>
+            <a:picLocks noChangeAspect="1"/>
+          </p:cNvPicPr>
+          <p:nvPr/>
+        </p:nvPicPr>
+        <p:blipFill>
+          <a:blip r:embed="rId2"/>
+          <a:stretch>
+            <a:fillRect/>
+          </a:stretch>
+        </p:blipFill>
+        <p:spPr>
+          <a:xfrm>
+            <a:off x="730719" y="1716868"/>
+            <a:ext cx="10730562" cy="3424264"/>
+          </a:xfrm>
+          <a:prstGeom prst="rect">
+            <a:avLst/>
+          </a:prstGeom>
+        </p:spPr>
+      </p:pic>
+    </p:spTree>
+    <p:extLst>
+      <p:ext uri="{BB962C8B-B14F-4D97-AF65-F5344CB8AC3E}">
+        <p14:creationId xmlns:p14="http://schemas.microsoft.com/office/powerpoint/2010/main" val="1341182786"/>
+      </p:ext>
+    </p:extLst>
+  </p:cSld>
+  <p:clrMapOvr>
+    <a:masterClrMapping/>
+  </p:clrMapOvr>
+</p:sld>
+</file>
+
+<file path=ppt/slides/slide8.xml><?xml version="1.0" encoding="utf-8"?>
+<p:sld xmlns:a="http://schemas.openxmlformats.org/drawingml/2006/main" xmlns:r="http://schemas.openxmlformats.org/officeDocument/2006/relationships" xmlns:p="http://schemas.openxmlformats.org/presentationml/2006/main">
+  <p:cSld>
+    <p:spTree>
+      <p:nvGrpSpPr>
+        <p:cNvPr id="1" name="">
+          <a:extLst>
+            <a:ext uri="{FF2B5EF4-FFF2-40B4-BE49-F238E27FC236}">
+              <a16:creationId xmlns:a16="http://schemas.microsoft.com/office/drawing/2014/main" id="{51D6304B-C495-1B56-6E7F-A51498B00FEE}"/>
+            </a:ext>
+          </a:extLst>
+        </p:cNvPr>
+        <p:cNvGrpSpPr/>
+        <p:nvPr/>
+      </p:nvGrpSpPr>
+      <p:grpSpPr>
+        <a:xfrm>
+          <a:off x="0" y="0"/>
+          <a:ext cx="0" cy="0"/>
+          <a:chOff x="0" y="0"/>
+          <a:chExt cx="0" cy="0"/>
+        </a:xfrm>
+      </p:grpSpPr>
+      <p:sp>
+        <p:nvSpPr>
+          <p:cNvPr id="2" name="Title 1">
+            <a:extLst>
+              <a:ext uri="{FF2B5EF4-FFF2-40B4-BE49-F238E27FC236}">
+                <a16:creationId xmlns:a16="http://schemas.microsoft.com/office/drawing/2014/main" id="{41D30F97-FBD1-8CA3-1D1B-5D7949715515}"/>
+              </a:ext>
+            </a:extLst>
+          </p:cNvPr>
+          <p:cNvSpPr>
+            <a:spLocks noGrp="1"/>
+          </p:cNvSpPr>
+          <p:nvPr>
+            <p:ph type="title"/>
+          </p:nvPr>
+        </p:nvSpPr>
+        <p:spPr/>
+        <p:txBody>
+          <a:bodyPr/>
+          <a:lstStyle/>
+          <a:p>
+            <a:r>
+              <a:rPr lang="en-US" dirty="0"/>
+              <a:t>Top 5 Features</a:t>
+            </a:r>
+          </a:p>
+        </p:txBody>
+      </p:sp>
+      <p:sp>
+        <p:nvSpPr>
+          <p:cNvPr id="6" name="Slide Number Placeholder 5">
+            <a:extLst>
+              <a:ext uri="{FF2B5EF4-FFF2-40B4-BE49-F238E27FC236}">
+                <a16:creationId xmlns:a16="http://schemas.microsoft.com/office/drawing/2014/main" id="{778D787A-2E2C-5392-C50F-76C30A9F2E3E}"/>
+              </a:ext>
+            </a:extLst>
+          </p:cNvPr>
+          <p:cNvSpPr>
+            <a:spLocks noGrp="1"/>
+          </p:cNvSpPr>
+          <p:nvPr>
+            <p:ph type="sldNum" sz="quarter" idx="12"/>
+          </p:nvPr>
+        </p:nvSpPr>
+        <p:spPr/>
+        <p:txBody>
+          <a:bodyPr/>
+          <a:lstStyle/>
+          <a:p>
+            <a:fld id="{7BE69E03-4804-4553-A1EC-F089884EF50F}" type="slidenum">
+              <a:rPr lang="en-US" smtClean="0"/>
+              <a:t>8</a:t>
+            </a:fld>
+            <a:endParaRPr lang="en-US"/>
+          </a:p>
+        </p:txBody>
+      </p:sp>
+      <p:pic>
+        <p:nvPicPr>
           <p:cNvPr id="4" name="Picture 3" descr="A graph with blue bars&#10;&#10;Description automatically generated with medium confidence">
             <a:extLst>
               <a:ext uri="{FF2B5EF4-FFF2-40B4-BE49-F238E27FC236}">
-                <a16:creationId xmlns:a16="http://schemas.microsoft.com/office/drawing/2014/main" id="{F8B37933-F7F4-16C6-CF58-6F78A6C4DB34}"/>
+                <a16:creationId xmlns:a16="http://schemas.microsoft.com/office/drawing/2014/main" id="{1DE94B11-77F1-A8E6-795F-5DB7E2B11891}"/>
               </a:ext>
             </a:extLst>
           </p:cNvPr>
@@ -7124,7 +7220,7 @@
           <p:cNvPr id="7" name="Picture 6" descr="A graph of green rectangular bars&#10;&#10;Description automatically generated with medium confidence">
             <a:extLst>
               <a:ext uri="{FF2B5EF4-FFF2-40B4-BE49-F238E27FC236}">
-                <a16:creationId xmlns:a16="http://schemas.microsoft.com/office/drawing/2014/main" id="{94107CC7-DE76-260D-7881-173A5A2EE30D}"/>
+                <a16:creationId xmlns:a16="http://schemas.microsoft.com/office/drawing/2014/main" id="{59050C82-992B-CFFF-18D6-9682556F5CBD}"/>
               </a:ext>
             </a:extLst>
           </p:cNvPr>
@@ -7152,7 +7248,7 @@
     </p:spTree>
     <p:extLst>
       <p:ext uri="{BB962C8B-B14F-4D97-AF65-F5344CB8AC3E}">
-        <p14:creationId xmlns:p14="http://schemas.microsoft.com/office/powerpoint/2010/main" val="1341182786"/>
+        <p14:creationId xmlns:p14="http://schemas.microsoft.com/office/powerpoint/2010/main" val="2666135451"/>
       </p:ext>
     </p:extLst>
   </p:cSld>
